--- a/src/main/java/docs/credit_risk_regression_presentation.pptx
+++ b/src/main/java/docs/credit_risk_regression_presentation.pptx
@@ -5,14 +5,14 @@
     <p:sldMasterId id="2147483648" r:id="rId1"/>
   </p:sldMasterIdLst>
   <p:sldIdLst>
-    <p:sldId id="256" r:id="rId7"/>
-    <p:sldId id="257" r:id="rId8"/>
-    <p:sldId id="258" r:id="rId9"/>
-    <p:sldId id="259" r:id="rId10"/>
-    <p:sldId id="260" r:id="rId11"/>
-    <p:sldId id="261" r:id="rId12"/>
-    <p:sldId id="262" r:id="rId13"/>
-    <p:sldId id="263" r:id="rId14"/>
+    <p:sldId id="256" r:id="rId2"/>
+    <p:sldId id="257" r:id="rId3"/>
+    <p:sldId id="258" r:id="rId4"/>
+    <p:sldId id="259" r:id="rId5"/>
+    <p:sldId id="260" r:id="rId6"/>
+    <p:sldId id="261" r:id="rId7"/>
+    <p:sldId id="262" r:id="rId8"/>
+    <p:sldId id="263" r:id="rId9"/>
   </p:sldIdLst>
   <p:sldSz cx="9144000" cy="6858000" type="screen4x3"/>
   <p:notesSz cx="6858000" cy="9144000"/>
@@ -111,6 +111,22 @@
       </a:defRPr>
     </a:lvl9pPr>
   </p:defaultTextStyle>
+  <p:extLst>
+    <p:ext uri="{EFAFB233-063F-42B5-8137-9DF3F51BA10A}">
+      <p15:sldGuideLst xmlns:p15="http://schemas.microsoft.com/office/powerpoint/2012/main">
+        <p15:guide id="1" orient="horz" pos="2160">
+          <p15:clr>
+            <a:srgbClr val="A4A3A4"/>
+          </p15:clr>
+        </p15:guide>
+        <p15:guide id="2" pos="2880">
+          <p15:clr>
+            <a:srgbClr val="A4A3A4"/>
+          </p15:clr>
+        </p15:guide>
+      </p15:sldGuideLst>
+    </p:ext>
+  </p:extLst>
 </p:presentation>
 </file>
 
@@ -295,7 +311,7 @@
           <a:p>
             <a:fld id="{5BCAD085-E8A6-8845-BD4E-CB4CCA059FC4}" type="datetimeFigureOut">
               <a:rPr lang="en-US" smtClean="0"/>
-              <a:t>1/27/13</a:t>
+              <a:t>11/16/2025</a:t>
             </a:fld>
             <a:endParaRPr lang="en-US"/>
           </a:p>
@@ -465,7 +481,7 @@
           <a:p>
             <a:fld id="{5BCAD085-E8A6-8845-BD4E-CB4CCA059FC4}" type="datetimeFigureOut">
               <a:rPr lang="en-US" smtClean="0"/>
-              <a:t>1/27/13</a:t>
+              <a:t>11/16/2025</a:t>
             </a:fld>
             <a:endParaRPr lang="en-US"/>
           </a:p>
@@ -645,7 +661,7 @@
           <a:p>
             <a:fld id="{5BCAD085-E8A6-8845-BD4E-CB4CCA059FC4}" type="datetimeFigureOut">
               <a:rPr lang="en-US" smtClean="0"/>
-              <a:t>1/27/13</a:t>
+              <a:t>11/16/2025</a:t>
             </a:fld>
             <a:endParaRPr lang="en-US"/>
           </a:p>
@@ -815,7 +831,7 @@
           <a:p>
             <a:fld id="{5BCAD085-E8A6-8845-BD4E-CB4CCA059FC4}" type="datetimeFigureOut">
               <a:rPr lang="en-US" smtClean="0"/>
-              <a:t>1/27/13</a:t>
+              <a:t>11/16/2025</a:t>
             </a:fld>
             <a:endParaRPr lang="en-US"/>
           </a:p>
@@ -1061,7 +1077,7 @@
           <a:p>
             <a:fld id="{5BCAD085-E8A6-8845-BD4E-CB4CCA059FC4}" type="datetimeFigureOut">
               <a:rPr lang="en-US" smtClean="0"/>
-              <a:t>1/27/13</a:t>
+              <a:t>11/16/2025</a:t>
             </a:fld>
             <a:endParaRPr lang="en-US"/>
           </a:p>
@@ -1349,7 +1365,7 @@
           <a:p>
             <a:fld id="{5BCAD085-E8A6-8845-BD4E-CB4CCA059FC4}" type="datetimeFigureOut">
               <a:rPr lang="en-US" smtClean="0"/>
-              <a:t>1/27/13</a:t>
+              <a:t>11/16/2025</a:t>
             </a:fld>
             <a:endParaRPr lang="en-US"/>
           </a:p>
@@ -1771,7 +1787,7 @@
           <a:p>
             <a:fld id="{5BCAD085-E8A6-8845-BD4E-CB4CCA059FC4}" type="datetimeFigureOut">
               <a:rPr lang="en-US" smtClean="0"/>
-              <a:t>1/27/13</a:t>
+              <a:t>11/16/2025</a:t>
             </a:fld>
             <a:endParaRPr lang="en-US"/>
           </a:p>
@@ -1889,7 +1905,7 @@
           <a:p>
             <a:fld id="{5BCAD085-E8A6-8845-BD4E-CB4CCA059FC4}" type="datetimeFigureOut">
               <a:rPr lang="en-US" smtClean="0"/>
-              <a:t>1/27/13</a:t>
+              <a:t>11/16/2025</a:t>
             </a:fld>
             <a:endParaRPr lang="en-US"/>
           </a:p>
@@ -1984,7 +2000,7 @@
           <a:p>
             <a:fld id="{5BCAD085-E8A6-8845-BD4E-CB4CCA059FC4}" type="datetimeFigureOut">
               <a:rPr lang="en-US" smtClean="0"/>
-              <a:t>1/27/13</a:t>
+              <a:t>11/16/2025</a:t>
             </a:fld>
             <a:endParaRPr lang="en-US"/>
           </a:p>
@@ -2261,7 +2277,7 @@
           <a:p>
             <a:fld id="{5BCAD085-E8A6-8845-BD4E-CB4CCA059FC4}" type="datetimeFigureOut">
               <a:rPr lang="en-US" smtClean="0"/>
-              <a:t>1/27/13</a:t>
+              <a:t>11/16/2025</a:t>
             </a:fld>
             <a:endParaRPr lang="en-US"/>
           </a:p>
@@ -2514,7 +2530,7 @@
           <a:p>
             <a:fld id="{5BCAD085-E8A6-8845-BD4E-CB4CCA059FC4}" type="datetimeFigureOut">
               <a:rPr lang="en-US" smtClean="0"/>
-              <a:t>1/27/13</a:t>
+              <a:t>11/16/2025</a:t>
             </a:fld>
             <a:endParaRPr lang="en-US"/>
           </a:p>
@@ -2727,7 +2743,7 @@
           <a:p>
             <a:fld id="{5BCAD085-E8A6-8845-BD4E-CB4CCA059FC4}" type="datetimeFigureOut">
               <a:rPr lang="en-US" smtClean="0"/>
-              <a:t>1/27/13</a:t>
+              <a:t>11/16/2025</a:t>
             </a:fld>
             <a:endParaRPr lang="en-US"/>
           </a:p>
@@ -3086,7 +3102,7 @@
 </file>
 
 <file path=ppt/slides/slide1.xml><?xml version="1.0" encoding="utf-8"?>
-<p:sld xmlns:a="http://schemas.openxmlformats.org/drawingml/2006/main" xmlns:p="http://schemas.openxmlformats.org/presentationml/2006/main" xmlns:r="http://schemas.openxmlformats.org/officeDocument/2006/relationships">
+<p:sld xmlns:a="http://schemas.openxmlformats.org/drawingml/2006/main" xmlns:r="http://schemas.openxmlformats.org/officeDocument/2006/relationships" xmlns:p="http://schemas.openxmlformats.org/presentationml/2006/main">
   <p:cSld>
     <p:spTree>
       <p:nvGrpSpPr>
@@ -3094,7 +3110,14 @@
         <p:cNvGrpSpPr/>
         <p:nvPr/>
       </p:nvGrpSpPr>
-      <p:grpSpPr/>
+      <p:grpSpPr>
+        <a:xfrm>
+          <a:off x="0" y="0"/>
+          <a:ext cx="0" cy="0"/>
+          <a:chOff x="0" y="0"/>
+          <a:chExt cx="0" cy="0"/>
+        </a:xfrm>
+      </p:grpSpPr>
       <p:sp>
         <p:nvSpPr>
           <p:cNvPr id="2" name="Title 1"/>
@@ -3132,13 +3155,20 @@
           <a:lstStyle/>
           <a:p>
             <a:r>
+              <a:rPr dirty="0"/>
               <a:t>Feature Engineering + Regression Model</a:t>
             </a:r>
           </a:p>
           <a:p>
             <a:r>
-              <a:t>Team: Sanjar &amp; Co</a:t>
-            </a:r>
+              <a:rPr dirty="0" smtClean="0"/>
+              <a:t>Team</a:t>
+            </a:r>
+            <a:r>
+              <a:rPr lang="en-US" dirty="0" smtClean="0"/>
+              <a:t>: Experiment</a:t>
+            </a:r>
+            <a:endParaRPr dirty="0"/>
           </a:p>
         </p:txBody>
       </p:sp>
@@ -3151,7 +3181,7 @@
 </file>
 
 <file path=ppt/slides/slide2.xml><?xml version="1.0" encoding="utf-8"?>
-<p:sld xmlns:a="http://schemas.openxmlformats.org/drawingml/2006/main" xmlns:p="http://schemas.openxmlformats.org/presentationml/2006/main" xmlns:r="http://schemas.openxmlformats.org/officeDocument/2006/relationships">
+<p:sld xmlns:a="http://schemas.openxmlformats.org/drawingml/2006/main" xmlns:r="http://schemas.openxmlformats.org/officeDocument/2006/relationships" xmlns:p="http://schemas.openxmlformats.org/presentationml/2006/main">
   <p:cSld>
     <p:spTree>
       <p:nvGrpSpPr>
@@ -3159,7 +3189,14 @@
         <p:cNvGrpSpPr/>
         <p:nvPr/>
       </p:nvGrpSpPr>
-      <p:grpSpPr/>
+      <p:grpSpPr>
+        <a:xfrm>
+          <a:off x="0" y="0"/>
+          <a:ext cx="0" cy="0"/>
+          <a:chOff x="0" y="0"/>
+          <a:chExt cx="0" cy="0"/>
+        </a:xfrm>
+      </p:grpSpPr>
       <p:sp>
         <p:nvSpPr>
           <p:cNvPr id="2" name="Title 1"/>
@@ -3217,7 +3254,7 @@
 </file>
 
 <file path=ppt/slides/slide3.xml><?xml version="1.0" encoding="utf-8"?>
-<p:sld xmlns:a="http://schemas.openxmlformats.org/drawingml/2006/main" xmlns:p="http://schemas.openxmlformats.org/presentationml/2006/main" xmlns:r="http://schemas.openxmlformats.org/officeDocument/2006/relationships">
+<p:sld xmlns:a="http://schemas.openxmlformats.org/drawingml/2006/main" xmlns:r="http://schemas.openxmlformats.org/officeDocument/2006/relationships" xmlns:p="http://schemas.openxmlformats.org/presentationml/2006/main">
   <p:cSld>
     <p:spTree>
       <p:nvGrpSpPr>
@@ -3225,7 +3262,14 @@
         <p:cNvGrpSpPr/>
         <p:nvPr/>
       </p:nvGrpSpPr>
-      <p:grpSpPr/>
+      <p:grpSpPr>
+        <a:xfrm>
+          <a:off x="0" y="0"/>
+          <a:ext cx="0" cy="0"/>
+          <a:chOff x="0" y="0"/>
+          <a:chExt cx="0" cy="0"/>
+        </a:xfrm>
+      </p:grpSpPr>
       <p:sp>
         <p:nvSpPr>
           <p:cNvPr id="2" name="Title 1"/>
@@ -3289,7 +3333,7 @@
 </file>
 
 <file path=ppt/slides/slide4.xml><?xml version="1.0" encoding="utf-8"?>
-<p:sld xmlns:a="http://schemas.openxmlformats.org/drawingml/2006/main" xmlns:p="http://schemas.openxmlformats.org/presentationml/2006/main" xmlns:r="http://schemas.openxmlformats.org/officeDocument/2006/relationships">
+<p:sld xmlns:a="http://schemas.openxmlformats.org/drawingml/2006/main" xmlns:r="http://schemas.openxmlformats.org/officeDocument/2006/relationships" xmlns:p="http://schemas.openxmlformats.org/presentationml/2006/main">
   <p:cSld>
     <p:spTree>
       <p:nvGrpSpPr>
@@ -3297,7 +3341,14 @@
         <p:cNvGrpSpPr/>
         <p:nvPr/>
       </p:nvGrpSpPr>
-      <p:grpSpPr/>
+      <p:grpSpPr>
+        <a:xfrm>
+          <a:off x="0" y="0"/>
+          <a:ext cx="0" cy="0"/>
+          <a:chOff x="0" y="0"/>
+          <a:chExt cx="0" cy="0"/>
+        </a:xfrm>
+      </p:grpSpPr>
       <p:sp>
         <p:nvSpPr>
           <p:cNvPr id="2" name="Title 1"/>
@@ -3367,7 +3418,7 @@
 </file>
 
 <file path=ppt/slides/slide5.xml><?xml version="1.0" encoding="utf-8"?>
-<p:sld xmlns:a="http://schemas.openxmlformats.org/drawingml/2006/main" xmlns:p="http://schemas.openxmlformats.org/presentationml/2006/main" xmlns:r="http://schemas.openxmlformats.org/officeDocument/2006/relationships">
+<p:sld xmlns:a="http://schemas.openxmlformats.org/drawingml/2006/main" xmlns:r="http://schemas.openxmlformats.org/officeDocument/2006/relationships" xmlns:p="http://schemas.openxmlformats.org/presentationml/2006/main">
   <p:cSld>
     <p:spTree>
       <p:nvGrpSpPr>
@@ -3375,7 +3426,14 @@
         <p:cNvGrpSpPr/>
         <p:nvPr/>
       </p:nvGrpSpPr>
-      <p:grpSpPr/>
+      <p:grpSpPr>
+        <a:xfrm>
+          <a:off x="0" y="0"/>
+          <a:ext cx="0" cy="0"/>
+          <a:chOff x="0" y="0"/>
+          <a:chExt cx="0" cy="0"/>
+        </a:xfrm>
+      </p:grpSpPr>
       <p:sp>
         <p:nvSpPr>
           <p:cNvPr id="2" name="Title 1"/>
@@ -3439,7 +3497,7 @@
 </file>
 
 <file path=ppt/slides/slide6.xml><?xml version="1.0" encoding="utf-8"?>
-<p:sld xmlns:a="http://schemas.openxmlformats.org/drawingml/2006/main" xmlns:p="http://schemas.openxmlformats.org/presentationml/2006/main" xmlns:r="http://schemas.openxmlformats.org/officeDocument/2006/relationships">
+<p:sld xmlns:a="http://schemas.openxmlformats.org/drawingml/2006/main" xmlns:r="http://schemas.openxmlformats.org/officeDocument/2006/relationships" xmlns:p="http://schemas.openxmlformats.org/presentationml/2006/main">
   <p:cSld>
     <p:spTree>
       <p:nvGrpSpPr>
@@ -3447,7 +3505,14 @@
         <p:cNvGrpSpPr/>
         <p:nvPr/>
       </p:nvGrpSpPr>
-      <p:grpSpPr/>
+      <p:grpSpPr>
+        <a:xfrm>
+          <a:off x="0" y="0"/>
+          <a:ext cx="0" cy="0"/>
+          <a:chOff x="0" y="0"/>
+          <a:chExt cx="0" cy="0"/>
+        </a:xfrm>
+      </p:grpSpPr>
       <p:sp>
         <p:nvSpPr>
           <p:cNvPr id="2" name="Title 1"/>
@@ -3511,7 +3576,7 @@
 </file>
 
 <file path=ppt/slides/slide7.xml><?xml version="1.0" encoding="utf-8"?>
-<p:sld xmlns:a="http://schemas.openxmlformats.org/drawingml/2006/main" xmlns:p="http://schemas.openxmlformats.org/presentationml/2006/main" xmlns:r="http://schemas.openxmlformats.org/officeDocument/2006/relationships">
+<p:sld xmlns:a="http://schemas.openxmlformats.org/drawingml/2006/main" xmlns:r="http://schemas.openxmlformats.org/officeDocument/2006/relationships" xmlns:p="http://schemas.openxmlformats.org/presentationml/2006/main">
   <p:cSld>
     <p:spTree>
       <p:nvGrpSpPr>
@@ -3519,7 +3584,14 @@
         <p:cNvGrpSpPr/>
         <p:nvPr/>
       </p:nvGrpSpPr>
-      <p:grpSpPr/>
+      <p:grpSpPr>
+        <a:xfrm>
+          <a:off x="0" y="0"/>
+          <a:ext cx="0" cy="0"/>
+          <a:chOff x="0" y="0"/>
+          <a:chExt cx="0" cy="0"/>
+        </a:xfrm>
+      </p:grpSpPr>
       <p:sp>
         <p:nvSpPr>
           <p:cNvPr id="2" name="Title 1"/>
@@ -3571,7 +3643,7 @@
 </file>
 
 <file path=ppt/slides/slide8.xml><?xml version="1.0" encoding="utf-8"?>
-<p:sld xmlns:a="http://schemas.openxmlformats.org/drawingml/2006/main" xmlns:p="http://schemas.openxmlformats.org/presentationml/2006/main" xmlns:r="http://schemas.openxmlformats.org/officeDocument/2006/relationships">
+<p:sld xmlns:a="http://schemas.openxmlformats.org/drawingml/2006/main" xmlns:r="http://schemas.openxmlformats.org/officeDocument/2006/relationships" xmlns:p="http://schemas.openxmlformats.org/presentationml/2006/main">
   <p:cSld>
     <p:spTree>
       <p:nvGrpSpPr>
@@ -3579,7 +3651,14 @@
         <p:cNvGrpSpPr/>
         <p:nvPr/>
       </p:nvGrpSpPr>
-      <p:grpSpPr/>
+      <p:grpSpPr>
+        <a:xfrm>
+          <a:off x="0" y="0"/>
+          <a:ext cx="0" cy="0"/>
+          <a:chOff x="0" y="0"/>
+          <a:chExt cx="0" cy="0"/>
+        </a:xfrm>
+      </p:grpSpPr>
       <p:sp>
         <p:nvSpPr>
           <p:cNvPr id="2" name="Title 1"/>
